--- a/Document/OOSOO_종합설계_제안서.pptx
+++ b/Document/OOSOO_종합설계_제안서.pptx
@@ -13,8 +13,8 @@
     <p:sldId id="267" r:id="rId7"/>
     <p:sldId id="268" r:id="rId8"/>
     <p:sldId id="269" r:id="rId9"/>
-    <p:sldId id="270" r:id="rId10"/>
-    <p:sldId id="271" r:id="rId11"/>
+    <p:sldId id="256" r:id="rId10"/>
+    <p:sldId id="257" r:id="rId11"/>
     <p:sldId id="258" r:id="rId12"/>
     <p:sldId id="259" r:id="rId13"/>
     <p:sldId id="260" r:id="rId14"/>
@@ -315,7 +315,7 @@
           <a:p>
             <a:fld id="{F8166F1F-CE9B-4651-A6AA-CD717754106B}" type="datetimeFigureOut">
               <a:rPr lang="en-US" smtClean="0"/>
-              <a:t>12/29/2021</a:t>
+              <a:t>12/30/2021</a:t>
             </a:fld>
             <a:endParaRPr lang="en-US"/>
           </a:p>
@@ -478,7 +478,7 @@
           <a:p>
             <a:fld id="{A76116CE-C4A3-4A05-B2D7-7C2E9A889C0F}" type="datetimeFigureOut">
               <a:rPr lang="en-US" smtClean="0"/>
-              <a:t>12/29/2021</a:t>
+              <a:t>12/30/2021</a:t>
             </a:fld>
             <a:endParaRPr lang="en-US"/>
           </a:p>
@@ -651,7 +651,7 @@
           <a:p>
             <a:fld id="{A76116CE-C4A3-4A05-B2D7-7C2E9A889C0F}" type="datetimeFigureOut">
               <a:rPr lang="en-US" smtClean="0"/>
-              <a:t>12/29/2021</a:t>
+              <a:t>12/30/2021</a:t>
             </a:fld>
             <a:endParaRPr lang="en-US"/>
           </a:p>
@@ -816,7 +816,7 @@
           <a:p>
             <a:fld id="{A76116CE-C4A3-4A05-B2D7-7C2E9A889C0F}" type="datetimeFigureOut">
               <a:rPr lang="en-US" smtClean="0"/>
-              <a:t>12/29/2021</a:t>
+              <a:t>12/30/2021</a:t>
             </a:fld>
             <a:endParaRPr lang="en-US"/>
           </a:p>
@@ -1056,7 +1056,7 @@
           <a:p>
             <a:fld id="{A76116CE-C4A3-4A05-B2D7-7C2E9A889C0F}" type="datetimeFigureOut">
               <a:rPr lang="en-US" smtClean="0"/>
-              <a:t>12/29/2021</a:t>
+              <a:t>12/30/2021</a:t>
             </a:fld>
             <a:endParaRPr lang="en-US"/>
           </a:p>
@@ -1336,7 +1336,7 @@
           <a:p>
             <a:fld id="{A76116CE-C4A3-4A05-B2D7-7C2E9A889C0F}" type="datetimeFigureOut">
               <a:rPr lang="en-US" smtClean="0"/>
-              <a:t>12/29/2021</a:t>
+              <a:t>12/30/2021</a:t>
             </a:fld>
             <a:endParaRPr lang="en-US"/>
           </a:p>
@@ -1750,7 +1750,7 @@
           <a:p>
             <a:fld id="{A76116CE-C4A3-4A05-B2D7-7C2E9A889C0F}" type="datetimeFigureOut">
               <a:rPr lang="en-US" smtClean="0"/>
-              <a:t>12/29/2021</a:t>
+              <a:t>12/30/2021</a:t>
             </a:fld>
             <a:endParaRPr lang="en-US"/>
           </a:p>
@@ -1862,7 +1862,7 @@
           <a:p>
             <a:fld id="{A76116CE-C4A3-4A05-B2D7-7C2E9A889C0F}" type="datetimeFigureOut">
               <a:rPr lang="en-US" smtClean="0"/>
-              <a:t>12/29/2021</a:t>
+              <a:t>12/30/2021</a:t>
             </a:fld>
             <a:endParaRPr lang="en-US"/>
           </a:p>
@@ -1952,7 +1952,7 @@
           <a:p>
             <a:fld id="{A76116CE-C4A3-4A05-B2D7-7C2E9A889C0F}" type="datetimeFigureOut">
               <a:rPr lang="en-US" smtClean="0"/>
-              <a:t>12/29/2021</a:t>
+              <a:t>12/30/2021</a:t>
             </a:fld>
             <a:endParaRPr lang="en-US"/>
           </a:p>
@@ -2222,7 +2222,7 @@
           <a:p>
             <a:fld id="{A76116CE-C4A3-4A05-B2D7-7C2E9A889C0F}" type="datetimeFigureOut">
               <a:rPr lang="en-US" smtClean="0"/>
-              <a:t>12/29/2021</a:t>
+              <a:t>12/30/2021</a:t>
             </a:fld>
             <a:endParaRPr lang="en-US"/>
           </a:p>
@@ -2469,7 +2469,7 @@
           <a:p>
             <a:fld id="{A76116CE-C4A3-4A05-B2D7-7C2E9A889C0F}" type="datetimeFigureOut">
               <a:rPr lang="en-US" smtClean="0"/>
-              <a:t>12/29/2021</a:t>
+              <a:t>12/30/2021</a:t>
             </a:fld>
             <a:endParaRPr lang="en-US"/>
           </a:p>
@@ -2675,7 +2675,7 @@
           <a:p>
             <a:fld id="{F8166F1F-CE9B-4651-A6AA-CD717754106B}" type="datetimeFigureOut">
               <a:rPr lang="en-US" smtClean="0"/>
-              <a:t>12/29/2021</a:t>
+              <a:t>12/30/2021</a:t>
             </a:fld>
             <a:endParaRPr lang="en-US"/>
           </a:p>
@@ -3308,10 +3308,10 @@
         </p:nvGrpSpPr>
         <p:grpSpPr>
           <a:xfrm>
-            <a:off x="11408929" y="896811"/>
-            <a:ext cx="5466667" cy="2689577"/>
-            <a:chOff x="11408929" y="896811"/>
-            <a:chExt cx="5466667" cy="2689577"/>
+            <a:off x="11894643" y="1276067"/>
+            <a:ext cx="2306297" cy="1550925"/>
+            <a:chOff x="11894643" y="1276067"/>
+            <a:chExt cx="2306297" cy="1550925"/>
           </a:xfrm>
         </p:grpSpPr>
         <p:pic>
@@ -3330,8 +3330,8 @@
           </p:blipFill>
           <p:spPr>
             <a:xfrm>
-              <a:off x="11408929" y="896811"/>
-              <a:ext cx="5466667" cy="2689577"/>
+              <a:off x="11894643" y="1276067"/>
+              <a:ext cx="2306297" cy="1550925"/>
             </a:xfrm>
             <a:prstGeom prst="rect">
               <a:avLst/>
@@ -3632,7 +3632,7 @@
         <p:spPr>
           <a:xfrm>
             <a:off x="1837612" y="3833384"/>
-            <a:ext cx="6190255" cy="571391"/>
+            <a:ext cx="6116831" cy="571391"/>
           </a:xfrm>
           <a:prstGeom prst="rect">
             <a:avLst/>
@@ -3656,7 +3656,7 @@
         <p:spPr>
           <a:xfrm>
             <a:off x="1837603" y="4441431"/>
-            <a:ext cx="6274249" cy="571391"/>
+            <a:ext cx="5354882" cy="571391"/>
           </a:xfrm>
           <a:prstGeom prst="rect">
             <a:avLst/>
@@ -4056,6 +4056,45 @@
           </p:pic>
         </p:grpSp>
       </p:grpSp>
+      <p:grpSp>
+        <p:nvGrpSpPr>
+          <p:cNvPr id="1013" name="그룹 1013"/>
+          <p:cNvGrpSpPr/>
+          <p:nvPr/>
+        </p:nvGrpSpPr>
+        <p:grpSpPr>
+          <a:xfrm>
+            <a:off x="14239681" y="1528202"/>
+            <a:ext cx="2558838" cy="1279419"/>
+            <a:chOff x="14239681" y="1528202"/>
+            <a:chExt cx="2558838" cy="1279419"/>
+          </a:xfrm>
+        </p:grpSpPr>
+        <p:pic>
+          <p:nvPicPr>
+            <p:cNvPr id="51" name="Object 50"/>
+            <p:cNvPicPr>
+              <a:picLocks noChangeAspect="1"/>
+            </p:cNvPicPr>
+            <p:nvPr/>
+          </p:nvPicPr>
+          <p:blipFill>
+            <a:blip r:embed="rId25" cstate="print"/>
+            <a:stretch>
+              <a:fillRect/>
+            </a:stretch>
+          </p:blipFill>
+          <p:spPr>
+            <a:xfrm>
+              <a:off x="14239681" y="1528202"/>
+              <a:ext cx="2558838" cy="1279419"/>
+            </a:xfrm>
+            <a:prstGeom prst="rect">
+              <a:avLst/>
+            </a:prstGeom>
+          </p:spPr>
+        </p:pic>
+      </p:grpSp>
     </p:spTree>
   </p:cSld>
   <p:clrMapOvr>
@@ -4066,15 +4105,7 @@
 
 <file path=ppt/slides/slide11.xml><?xml version="1.0" encoding="utf-8"?>
 <p:sld xmlns:a="http://schemas.openxmlformats.org/drawingml/2006/main" xmlns:r="http://schemas.openxmlformats.org/officeDocument/2006/relationships" xmlns:p="http://schemas.openxmlformats.org/presentationml/2006/main">
-  <p:cSld name="Slide 3">
-    <p:bg>
-      <p:bgPr>
-        <a:solidFill>
-          <a:srgbClr val="FFFFFF"/>
-        </a:solidFill>
-        <a:effectLst/>
-      </p:bgPr>
-    </p:bg>
+  <p:cSld>
     <p:spTree>
       <p:nvGrpSpPr>
         <p:cNvPr id="1" name=""/>
@@ -4271,16 +4302,15 @@
           </p:cNvPicPr>
           <p:nvPr/>
         </p:nvPicPr>
-        <p:blipFill>
+        <p:blipFill rotWithShape="1">
           <a:blip r:embed="rId7" cstate="print"/>
-          <a:stretch>
-            <a:fillRect/>
-          </a:stretch>
-        </p:blipFill>
-        <p:spPr>
-          <a:xfrm>
-            <a:off x="-6717857" y="-266904"/>
-            <a:ext cx="31711905" cy="12114603"/>
+          <a:srcRect l="23827" t="23662" r="23790" b="23891"/>
+          <a:stretch/>
+        </p:blipFill>
+        <p:spPr>
+          <a:xfrm>
+            <a:off x="838200" y="2599669"/>
+            <a:ext cx="16611600" cy="6353832"/>
           </a:xfrm>
           <a:prstGeom prst="rect">
             <a:avLst/>
@@ -4297,15 +4327,7 @@
 
 <file path=ppt/slides/slide12.xml><?xml version="1.0" encoding="utf-8"?>
 <p:sld xmlns:a="http://schemas.openxmlformats.org/drawingml/2006/main" xmlns:r="http://schemas.openxmlformats.org/officeDocument/2006/relationships" xmlns:p="http://schemas.openxmlformats.org/presentationml/2006/main">
-  <p:cSld name="Slide 4">
-    <p:bg>
-      <p:bgPr>
-        <a:solidFill>
-          <a:srgbClr val="FFFFFF"/>
-        </a:solidFill>
-        <a:effectLst/>
-      </p:bgPr>
-    </p:bg>
+  <p:cSld>
     <p:spTree>
       <p:nvGrpSpPr>
         <p:cNvPr id="1" name=""/>
@@ -4543,15 +4565,7 @@
 
 <file path=ppt/slides/slide13.xml><?xml version="1.0" encoding="utf-8"?>
 <p:sld xmlns:a="http://schemas.openxmlformats.org/drawingml/2006/main" xmlns:r="http://schemas.openxmlformats.org/officeDocument/2006/relationships" xmlns:p="http://schemas.openxmlformats.org/presentationml/2006/main">
-  <p:cSld name="Slide 5">
-    <p:bg>
-      <p:bgPr>
-        <a:solidFill>
-          <a:srgbClr val="FFFFFF"/>
-        </a:solidFill>
-        <a:effectLst/>
-      </p:bgPr>
-    </p:bg>
+  <p:cSld>
     <p:spTree>
       <p:nvGrpSpPr>
         <p:cNvPr id="1" name=""/>
@@ -4718,16 +4732,14 @@
       </p:pic>
       <p:pic>
         <p:nvPicPr>
-          <p:cNvPr id="11" name="Object 10">
-            <a:hlinkClick r:id="rId6"/>
-          </p:cNvPr>
-          <p:cNvPicPr>
-            <a:picLocks noChangeAspect="1"/>
-          </p:cNvPicPr>
-          <p:nvPr/>
-        </p:nvPicPr>
-        <p:blipFill>
-          <a:blip r:embed="rId7" cstate="print"/>
+          <p:cNvPr id="11" name="Object 10"/>
+          <p:cNvPicPr>
+            <a:picLocks noChangeAspect="1"/>
+          </p:cNvPicPr>
+          <p:nvPr/>
+        </p:nvPicPr>
+        <p:blipFill>
+          <a:blip r:embed="rId6" cstate="print"/>
           <a:stretch>
             <a:fillRect/>
           </a:stretch>
@@ -4742,45 +4754,36 @@
           </a:prstGeom>
         </p:spPr>
       </p:pic>
-      <p:grpSp>
-        <p:nvGrpSpPr>
-          <p:cNvPr id="1003" name="그룹 1003"/>
-          <p:cNvGrpSpPr/>
-          <p:nvPr/>
-        </p:nvGrpSpPr>
-        <p:grpSpPr>
-          <a:xfrm>
-            <a:off x="2024249" y="3238901"/>
-            <a:ext cx="14237216" cy="5774971"/>
-            <a:chOff x="2024249" y="3238901"/>
-            <a:chExt cx="14237216" cy="5774971"/>
-          </a:xfrm>
-        </p:grpSpPr>
-        <p:pic>
-          <p:nvPicPr>
-            <p:cNvPr id="13" name="Object 12"/>
-            <p:cNvPicPr>
-              <a:picLocks noChangeAspect="1"/>
-            </p:cNvPicPr>
-            <p:nvPr/>
-          </p:nvPicPr>
-          <p:blipFill>
-            <a:blip r:embed="rId8" cstate="print"/>
-            <a:stretch>
-              <a:fillRect/>
-            </a:stretch>
-          </p:blipFill>
-          <p:spPr>
-            <a:xfrm>
-              <a:off x="2024249" y="3238901"/>
-              <a:ext cx="14237216" cy="5774971"/>
-            </a:xfrm>
-            <a:prstGeom prst="rect">
-              <a:avLst/>
-            </a:prstGeom>
-          </p:spPr>
-        </p:pic>
-      </p:grpSp>
+      <p:pic>
+        <p:nvPicPr>
+          <p:cNvPr id="8" name="그림 7">
+            <a:extLst>
+              <a:ext uri="{FF2B5EF4-FFF2-40B4-BE49-F238E27FC236}">
+                <a16:creationId xmlns:a16="http://schemas.microsoft.com/office/drawing/2014/main" id="{2917B5A7-1DAB-46E4-808F-14F63C95E158}"/>
+              </a:ext>
+            </a:extLst>
+          </p:cNvPr>
+          <p:cNvPicPr>
+            <a:picLocks noChangeAspect="1"/>
+          </p:cNvPicPr>
+          <p:nvPr/>
+        </p:nvPicPr>
+        <p:blipFill>
+          <a:blip r:embed="rId7"/>
+          <a:stretch>
+            <a:fillRect/>
+          </a:stretch>
+        </p:blipFill>
+        <p:spPr>
+          <a:xfrm>
+            <a:off x="2132457" y="3159839"/>
+            <a:ext cx="14020800" cy="6110202"/>
+          </a:xfrm>
+          <a:prstGeom prst="rect">
+            <a:avLst/>
+          </a:prstGeom>
+        </p:spPr>
+      </p:pic>
     </p:spTree>
   </p:cSld>
   <p:clrMapOvr>
@@ -4791,15 +4794,7 @@
 
 <file path=ppt/slides/slide14.xml><?xml version="1.0" encoding="utf-8"?>
 <p:sld xmlns:a="http://schemas.openxmlformats.org/drawingml/2006/main" xmlns:r="http://schemas.openxmlformats.org/officeDocument/2006/relationships" xmlns:p="http://schemas.openxmlformats.org/presentationml/2006/main">
-  <p:cSld name="Slide 6">
-    <p:bg>
-      <p:bgPr>
-        <a:solidFill>
-          <a:srgbClr val="FFFFFF"/>
-        </a:solidFill>
-        <a:effectLst/>
-      </p:bgPr>
-    </p:bg>
+  <p:cSld>
     <p:spTree>
       <p:nvGrpSpPr>
         <p:cNvPr id="1" name=""/>
@@ -4814,53 +4809,6 @@
           <a:chExt cx="0" cy="0"/>
         </a:xfrm>
       </p:grpSpPr>
-      <p:pic>
-        <p:nvPicPr>
-          <p:cNvPr id="45" name="Picture 4" descr="Assets, images, and icon widgets - Flutter">
-            <a:extLst>
-              <a:ext uri="{FF2B5EF4-FFF2-40B4-BE49-F238E27FC236}">
-                <a16:creationId xmlns:a16="http://schemas.microsoft.com/office/drawing/2014/main" id="{320E2705-52CF-42AB-820B-D2CA7DD9774F}"/>
-              </a:ext>
-            </a:extLst>
-          </p:cNvPr>
-          <p:cNvPicPr>
-            <a:picLocks noChangeAspect="1" noChangeArrowheads="1"/>
-          </p:cNvPicPr>
-          <p:nvPr/>
-        </p:nvPicPr>
-        <p:blipFill>
-          <a:blip r:embed="rId2">
-            <a:extLst>
-              <a:ext uri="{28A0092B-C50C-407E-A947-70E740481C1C}">
-                <a14:useLocalDpi xmlns:a14="http://schemas.microsoft.com/office/drawing/2010/main" val="0"/>
-              </a:ext>
-            </a:extLst>
-          </a:blip>
-          <a:srcRect/>
-          <a:stretch>
-            <a:fillRect/>
-          </a:stretch>
-        </p:blipFill>
-        <p:spPr bwMode="auto">
-          <a:xfrm>
-            <a:off x="13954725" y="6282869"/>
-            <a:ext cx="3663047" cy="2442031"/>
-          </a:xfrm>
-          <a:prstGeom prst="rect">
-            <a:avLst/>
-          </a:prstGeom>
-          <a:noFill/>
-          <a:extLst>
-            <a:ext uri="{909E8E84-426E-40DD-AFC4-6F175D3DCCD1}">
-              <a14:hiddenFill xmlns:a14="http://schemas.microsoft.com/office/drawing/2010/main">
-                <a:solidFill>
-                  <a:srgbClr val="FFFFFF"/>
-                </a:solidFill>
-              </a14:hiddenFill>
-            </a:ext>
-          </a:extLst>
-        </p:spPr>
-      </p:pic>
       <p:grpSp>
         <p:nvGrpSpPr>
           <p:cNvPr id="1001" name="그룹 1001"/>
@@ -4884,7 +4832,7 @@
             <p:nvPr/>
           </p:nvPicPr>
           <p:blipFill>
-            <a:blip r:embed="rId3" cstate="print"/>
+            <a:blip r:embed="rId2" cstate="print"/>
             <a:stretch>
               <a:fillRect/>
             </a:stretch>
@@ -4923,7 +4871,7 @@
             <p:nvPr/>
           </p:nvPicPr>
           <p:blipFill>
-            <a:blip r:embed="rId3" cstate="print"/>
+            <a:blip r:embed="rId2" cstate="print"/>
             <a:stretch>
               <a:fillRect/>
             </a:stretch>
@@ -4962,7 +4910,7 @@
             <p:nvPr/>
           </p:nvPicPr>
           <p:blipFill>
-            <a:blip r:embed="rId4" cstate="print"/>
+            <a:blip r:embed="rId3" cstate="print"/>
             <a:stretch>
               <a:fillRect/>
             </a:stretch>
@@ -4987,7 +4935,7 @@
           <p:nvPr/>
         </p:nvPicPr>
         <p:blipFill>
-          <a:blip r:embed="rId5" cstate="print"/>
+          <a:blip r:embed="rId4" cstate="print"/>
           <a:stretch>
             <a:fillRect/>
           </a:stretch>
@@ -5025,7 +4973,7 @@
             <p:nvPr/>
           </p:nvPicPr>
           <p:blipFill>
-            <a:blip r:embed="rId4" cstate="print"/>
+            <a:blip r:embed="rId3" cstate="print"/>
             <a:stretch>
               <a:fillRect/>
             </a:stretch>
@@ -5050,7 +4998,7 @@
           <p:nvPr/>
         </p:nvPicPr>
         <p:blipFill>
-          <a:blip r:embed="rId6" cstate="print"/>
+          <a:blip r:embed="rId5" cstate="print"/>
           <a:stretch>
             <a:fillRect/>
           </a:stretch>
@@ -5074,7 +5022,7 @@
           <p:nvPr/>
         </p:nvPicPr>
         <p:blipFill>
-          <a:blip r:embed="rId7" cstate="print"/>
+          <a:blip r:embed="rId6" cstate="print"/>
           <a:stretch>
             <a:fillRect/>
           </a:stretch>
@@ -5112,7 +5060,7 @@
             <p:nvPr/>
           </p:nvPicPr>
           <p:blipFill>
-            <a:blip r:embed="rId8" cstate="print"/>
+            <a:blip r:embed="rId7" cstate="print"/>
             <a:stretch>
               <a:fillRect/>
             </a:stretch>
@@ -5130,16 +5078,14 @@
       </p:grpSp>
       <p:pic>
         <p:nvPicPr>
-          <p:cNvPr id="20" name="Object 19">
-            <a:hlinkClick r:id="rId9"/>
-          </p:cNvPr>
-          <p:cNvPicPr>
-            <a:picLocks noChangeAspect="1"/>
-          </p:cNvPicPr>
-          <p:nvPr/>
-        </p:nvPicPr>
-        <p:blipFill>
-          <a:blip r:embed="rId10" cstate="print"/>
+          <p:cNvPr id="20" name="Object 19"/>
+          <p:cNvPicPr>
+            <a:picLocks noChangeAspect="1"/>
+          </p:cNvPicPr>
+          <p:nvPr/>
+        </p:nvPicPr>
+        <p:blipFill>
+          <a:blip r:embed="rId8" cstate="print"/>
           <a:stretch>
             <a:fillRect/>
           </a:stretch>
@@ -5156,16 +5102,14 @@
       </p:pic>
       <p:pic>
         <p:nvPicPr>
-          <p:cNvPr id="21" name="Object 20">
-            <a:hlinkClick r:id="rId11"/>
-          </p:cNvPr>
-          <p:cNvPicPr>
-            <a:picLocks noChangeAspect="1"/>
-          </p:cNvPicPr>
-          <p:nvPr/>
-        </p:nvPicPr>
-        <p:blipFill>
-          <a:blip r:embed="rId12" cstate="print"/>
+          <p:cNvPr id="21" name="Object 20"/>
+          <p:cNvPicPr>
+            <a:picLocks noChangeAspect="1"/>
+          </p:cNvPicPr>
+          <p:nvPr/>
+        </p:nvPicPr>
+        <p:blipFill>
+          <a:blip r:embed="rId9" cstate="print"/>
           <a:stretch>
             <a:fillRect/>
           </a:stretch>
@@ -5182,7 +5126,7 @@
       </p:pic>
       <p:grpSp>
         <p:nvGrpSpPr>
-          <p:cNvPr id="1007" name="그룹 1007"/>
+          <p:cNvPr id="1006" name="그룹 1006"/>
           <p:cNvGrpSpPr/>
           <p:nvPr/>
         </p:nvGrpSpPr>
@@ -5196,14 +5140,14 @@
         </p:grpSpPr>
         <p:pic>
           <p:nvPicPr>
-            <p:cNvPr id="26" name="Object 25"/>
+            <p:cNvPr id="23" name="Object 22"/>
             <p:cNvPicPr>
               <a:picLocks noChangeAspect="1"/>
             </p:cNvPicPr>
             <p:nvPr/>
           </p:nvPicPr>
           <p:blipFill>
-            <a:blip r:embed="rId3" cstate="print"/>
+            <a:blip r:embed="rId2" cstate="print"/>
             <a:stretch>
               <a:fillRect/>
             </a:stretch>
@@ -5221,7 +5165,7 @@
       </p:grpSp>
       <p:grpSp>
         <p:nvGrpSpPr>
-          <p:cNvPr id="1008" name="그룹 1008"/>
+          <p:cNvPr id="1007" name="그룹 1007"/>
           <p:cNvGrpSpPr/>
           <p:nvPr/>
         </p:nvGrpSpPr>
@@ -5235,14 +5179,14 @@
         </p:grpSpPr>
         <p:pic>
           <p:nvPicPr>
-            <p:cNvPr id="29" name="Object 28"/>
+            <p:cNvPr id="26" name="Object 25"/>
             <p:cNvPicPr>
               <a:picLocks noChangeAspect="1"/>
             </p:cNvPicPr>
             <p:nvPr/>
           </p:nvPicPr>
           <p:blipFill>
-            <a:blip r:embed="rId3" cstate="print"/>
+            <a:blip r:embed="rId2" cstate="print"/>
             <a:stretch>
               <a:fillRect/>
             </a:stretch>
@@ -5260,14 +5204,14 @@
       </p:grpSp>
       <p:pic>
         <p:nvPicPr>
-          <p:cNvPr id="31" name="Object 30"/>
-          <p:cNvPicPr>
-            <a:picLocks noChangeAspect="1"/>
-          </p:cNvPicPr>
-          <p:nvPr/>
-        </p:nvPicPr>
-        <p:blipFill>
-          <a:blip r:embed="rId13" cstate="print"/>
+          <p:cNvPr id="28" name="Object 27"/>
+          <p:cNvPicPr>
+            <a:picLocks noChangeAspect="1"/>
+          </p:cNvPicPr>
+          <p:nvPr/>
+        </p:nvPicPr>
+        <p:blipFill>
+          <a:blip r:embed="rId10" cstate="print"/>
           <a:stretch>
             <a:fillRect/>
           </a:stretch>
@@ -5284,7 +5228,7 @@
       </p:pic>
       <p:grpSp>
         <p:nvGrpSpPr>
-          <p:cNvPr id="1009" name="그룹 1009"/>
+          <p:cNvPr id="1008" name="그룹 1008"/>
           <p:cNvGrpSpPr/>
           <p:nvPr/>
         </p:nvGrpSpPr>
@@ -5298,14 +5242,14 @@
         </p:grpSpPr>
         <p:pic>
           <p:nvPicPr>
-            <p:cNvPr id="33" name="Object 32"/>
+            <p:cNvPr id="30" name="Object 29"/>
             <p:cNvPicPr>
               <a:picLocks noChangeAspect="1"/>
             </p:cNvPicPr>
             <p:nvPr/>
           </p:nvPicPr>
           <p:blipFill>
-            <a:blip r:embed="rId3" cstate="print"/>
+            <a:blip r:embed="rId2" cstate="print"/>
             <a:stretch>
               <a:fillRect/>
             </a:stretch>
@@ -5323,16 +5267,14 @@
       </p:grpSp>
       <p:pic>
         <p:nvPicPr>
-          <p:cNvPr id="35" name="Object 34">
-            <a:hlinkClick r:id="rId14"/>
-          </p:cNvPr>
-          <p:cNvPicPr>
-            <a:picLocks noChangeAspect="1"/>
-          </p:cNvPicPr>
-          <p:nvPr/>
-        </p:nvPicPr>
-        <p:blipFill>
-          <a:blip r:embed="rId15" cstate="print"/>
+          <p:cNvPr id="32" name="Object 31"/>
+          <p:cNvPicPr>
+            <a:picLocks noChangeAspect="1"/>
+          </p:cNvPicPr>
+          <p:nvPr/>
+        </p:nvPicPr>
+        <p:blipFill>
+          <a:blip r:embed="rId11" cstate="print"/>
           <a:stretch>
             <a:fillRect/>
           </a:stretch>
@@ -5349,16 +5291,14 @@
       </p:pic>
       <p:pic>
         <p:nvPicPr>
-          <p:cNvPr id="36" name="Object 35">
-            <a:hlinkClick r:id="rId16"/>
-          </p:cNvPr>
-          <p:cNvPicPr>
-            <a:picLocks noChangeAspect="1"/>
-          </p:cNvPicPr>
-          <p:nvPr/>
-        </p:nvPicPr>
-        <p:blipFill>
-          <a:blip r:embed="rId17" cstate="print"/>
+          <p:cNvPr id="33" name="Object 32"/>
+          <p:cNvPicPr>
+            <a:picLocks noChangeAspect="1"/>
+          </p:cNvPicPr>
+          <p:nvPr/>
+        </p:nvPicPr>
+        <p:blipFill>
+          <a:blip r:embed="rId12" cstate="print"/>
           <a:stretch>
             <a:fillRect/>
           </a:stretch>
@@ -5375,7 +5315,7 @@
       </p:pic>
       <p:grpSp>
         <p:nvGrpSpPr>
-          <p:cNvPr id="1010" name="그룹 1010"/>
+          <p:cNvPr id="1009" name="그룹 1009"/>
           <p:cNvGrpSpPr/>
           <p:nvPr/>
         </p:nvGrpSpPr>
@@ -5389,14 +5329,14 @@
         </p:grpSpPr>
         <p:pic>
           <p:nvPicPr>
-            <p:cNvPr id="38" name="Object 37"/>
+            <p:cNvPr id="35" name="Object 34"/>
             <p:cNvPicPr>
               <a:picLocks noChangeAspect="1"/>
             </p:cNvPicPr>
             <p:nvPr/>
           </p:nvPicPr>
           <p:blipFill>
-            <a:blip r:embed="rId18" cstate="print"/>
+            <a:blip r:embed="rId13" cstate="print"/>
             <a:stretch>
               <a:fillRect/>
             </a:stretch>
@@ -5414,14 +5354,14 @@
       </p:grpSp>
       <p:pic>
         <p:nvPicPr>
-          <p:cNvPr id="40" name="Object 39"/>
-          <p:cNvPicPr>
-            <a:picLocks noChangeAspect="1"/>
-          </p:cNvPicPr>
-          <p:nvPr/>
-        </p:nvPicPr>
-        <p:blipFill>
-          <a:blip r:embed="rId19" cstate="print"/>
+          <p:cNvPr id="37" name="Object 36"/>
+          <p:cNvPicPr>
+            <a:picLocks noChangeAspect="1"/>
+          </p:cNvPicPr>
+          <p:nvPr/>
+        </p:nvPicPr>
+        <p:blipFill>
+          <a:blip r:embed="rId14" cstate="print"/>
           <a:stretch>
             <a:fillRect/>
           </a:stretch>
@@ -5438,7 +5378,7 @@
       </p:pic>
       <p:grpSp>
         <p:nvGrpSpPr>
-          <p:cNvPr id="1011" name="그룹 1011"/>
+          <p:cNvPr id="1010" name="그룹 1010"/>
           <p:cNvGrpSpPr/>
           <p:nvPr/>
         </p:nvGrpSpPr>
@@ -5452,14 +5392,14 @@
         </p:grpSpPr>
         <p:pic>
           <p:nvPicPr>
-            <p:cNvPr id="42" name="Object 41"/>
+            <p:cNvPr id="39" name="Object 38"/>
             <p:cNvPicPr>
               <a:picLocks noChangeAspect="1"/>
             </p:cNvPicPr>
             <p:nvPr/>
           </p:nvPicPr>
           <p:blipFill>
-            <a:blip r:embed="rId3" cstate="print"/>
+            <a:blip r:embed="rId2" cstate="print"/>
             <a:stretch>
               <a:fillRect/>
             </a:stretch>
@@ -5477,24 +5417,22 @@
       </p:grpSp>
       <p:pic>
         <p:nvPicPr>
-          <p:cNvPr id="44" name="Object 43">
-            <a:hlinkClick r:id="rId20"/>
-          </p:cNvPr>
-          <p:cNvPicPr>
-            <a:picLocks noChangeAspect="1"/>
-          </p:cNvPicPr>
-          <p:nvPr/>
-        </p:nvPicPr>
-        <p:blipFill>
-          <a:blip r:embed="rId21" cstate="print"/>
-          <a:stretch>
-            <a:fillRect/>
-          </a:stretch>
-        </p:blipFill>
-        <p:spPr>
-          <a:xfrm>
-            <a:off x="6771274" y="7599948"/>
-            <a:ext cx="7646262" cy="543309"/>
+          <p:cNvPr id="41" name="Object 40"/>
+          <p:cNvPicPr>
+            <a:picLocks noChangeAspect="1"/>
+          </p:cNvPicPr>
+          <p:nvPr/>
+        </p:nvPicPr>
+        <p:blipFill>
+          <a:blip r:embed="rId15" cstate="print"/>
+          <a:stretch>
+            <a:fillRect/>
+          </a:stretch>
+        </p:blipFill>
+        <p:spPr>
+          <a:xfrm>
+            <a:off x="6771271" y="7599947"/>
+            <a:ext cx="3266647" cy="543309"/>
           </a:xfrm>
           <a:prstGeom prst="rect">
             <a:avLst/>
@@ -5503,7 +5441,7 @@
       </p:pic>
       <p:grpSp>
         <p:nvGrpSpPr>
-          <p:cNvPr id="1012" name="그룹 1012"/>
+          <p:cNvPr id="1011" name="그룹 1011"/>
           <p:cNvGrpSpPr/>
           <p:nvPr/>
         </p:nvGrpSpPr>
@@ -5517,14 +5455,14 @@
         </p:grpSpPr>
         <p:pic>
           <p:nvPicPr>
-            <p:cNvPr id="46" name="Object 45"/>
+            <p:cNvPr id="43" name="Object 42"/>
             <p:cNvPicPr>
               <a:picLocks noChangeAspect="1"/>
             </p:cNvPicPr>
             <p:nvPr/>
           </p:nvPicPr>
           <p:blipFill>
-            <a:blip r:embed="rId3" cstate="print"/>
+            <a:blip r:embed="rId2" cstate="print"/>
             <a:stretch>
               <a:fillRect/>
             </a:stretch>
@@ -5542,105 +5480,145 @@
       </p:grpSp>
       <p:pic>
         <p:nvPicPr>
-          <p:cNvPr id="48" name="Object 47"/>
-          <p:cNvPicPr>
-            <a:picLocks noChangeAspect="1"/>
-          </p:cNvPicPr>
-          <p:nvPr/>
-        </p:nvPicPr>
-        <p:blipFill>
-          <a:blip r:embed="rId22" cstate="print"/>
-          <a:stretch>
-            <a:fillRect/>
-          </a:stretch>
-        </p:blipFill>
-        <p:spPr>
-          <a:xfrm>
-            <a:off x="6696982" y="6704265"/>
-            <a:ext cx="4834366" cy="1197618"/>
-          </a:xfrm>
-          <a:prstGeom prst="rect">
-            <a:avLst/>
-          </a:prstGeom>
-        </p:spPr>
-      </p:pic>
-      <p:pic>
-        <p:nvPicPr>
-          <p:cNvPr id="41" name="그림 40">
-            <a:extLst>
-              <a:ext uri="{FF2B5EF4-FFF2-40B4-BE49-F238E27FC236}">
-                <a16:creationId xmlns:a16="http://schemas.microsoft.com/office/drawing/2014/main" id="{99556054-793F-4131-8914-AC857D5F170C}"/>
-              </a:ext>
-            </a:extLst>
-          </p:cNvPr>
-          <p:cNvPicPr>
-            <a:picLocks noChangeAspect="1"/>
-          </p:cNvPicPr>
-          <p:nvPr/>
-        </p:nvPicPr>
-        <p:blipFill>
-          <a:blip r:embed="rId23"/>
-          <a:stretch>
-            <a:fillRect/>
-          </a:stretch>
-        </p:blipFill>
-        <p:spPr>
-          <a:xfrm>
-            <a:off x="14837370" y="1524000"/>
-            <a:ext cx="2076450" cy="2095500"/>
-          </a:xfrm>
-          <a:prstGeom prst="rect">
-            <a:avLst/>
-          </a:prstGeom>
-        </p:spPr>
-      </p:pic>
-      <p:pic>
-        <p:nvPicPr>
-          <p:cNvPr id="43" name="Picture 2" descr="알고리즘 - 무료 컴퓨터개 아이콘">
-            <a:extLst>
-              <a:ext uri="{FF2B5EF4-FFF2-40B4-BE49-F238E27FC236}">
-                <a16:creationId xmlns:a16="http://schemas.microsoft.com/office/drawing/2014/main" id="{5C9E036D-D125-4763-8928-24116D849E63}"/>
-              </a:ext>
-            </a:extLst>
-          </p:cNvPr>
-          <p:cNvPicPr>
-            <a:picLocks noChangeAspect="1" noChangeArrowheads="1"/>
-          </p:cNvPicPr>
-          <p:nvPr/>
-        </p:nvPicPr>
-        <p:blipFill>
-          <a:blip r:embed="rId24" cstate="print">
-            <a:extLst>
-              <a:ext uri="{28A0092B-C50C-407E-A947-70E740481C1C}">
-                <a14:useLocalDpi xmlns:a14="http://schemas.microsoft.com/office/drawing/2010/main" val="0"/>
-              </a:ext>
-            </a:extLst>
-          </a:blip>
-          <a:srcRect/>
-          <a:stretch>
-            <a:fillRect/>
-          </a:stretch>
-        </p:blipFill>
-        <p:spPr bwMode="auto">
-          <a:xfrm>
-            <a:off x="14990846" y="4381500"/>
-            <a:ext cx="1590806" cy="1590806"/>
-          </a:xfrm>
-          <a:prstGeom prst="rect">
-            <a:avLst/>
-          </a:prstGeom>
-          <a:noFill/>
-          <a:extLst>
-            <a:ext uri="{909E8E84-426E-40DD-AFC4-6F175D3DCCD1}">
-              <a14:hiddenFill xmlns:a14="http://schemas.microsoft.com/office/drawing/2010/main">
-                <a:solidFill>
-                  <a:srgbClr val="FFFFFF"/>
-                </a:solidFill>
-              </a14:hiddenFill>
-            </a:ext>
-          </a:extLst>
-        </p:spPr>
-      </p:pic>
+          <p:cNvPr id="45" name="Object 44"/>
+          <p:cNvPicPr>
+            <a:picLocks noChangeAspect="1"/>
+          </p:cNvPicPr>
+          <p:nvPr/>
+        </p:nvPicPr>
+        <p:blipFill>
+          <a:blip r:embed="rId16" cstate="print"/>
+          <a:stretch>
+            <a:fillRect/>
+          </a:stretch>
+        </p:blipFill>
+        <p:spPr>
+          <a:xfrm>
+            <a:off x="6696979" y="6704264"/>
+            <a:ext cx="4849402" cy="1197617"/>
+          </a:xfrm>
+          <a:prstGeom prst="rect">
+            <a:avLst/>
+          </a:prstGeom>
+        </p:spPr>
+      </p:pic>
+      <p:grpSp>
+        <p:nvGrpSpPr>
+          <p:cNvPr id="1012" name="그룹 1012"/>
+          <p:cNvGrpSpPr/>
+          <p:nvPr/>
+        </p:nvGrpSpPr>
+        <p:grpSpPr>
+          <a:xfrm>
+            <a:off x="14608385" y="1462387"/>
+            <a:ext cx="2457686" cy="2479308"/>
+            <a:chOff x="14608385" y="1462387"/>
+            <a:chExt cx="2457686" cy="2479308"/>
+          </a:xfrm>
+        </p:grpSpPr>
+        <p:pic>
+          <p:nvPicPr>
+            <p:cNvPr id="47" name="Object 46"/>
+            <p:cNvPicPr>
+              <a:picLocks noChangeAspect="1"/>
+            </p:cNvPicPr>
+            <p:nvPr/>
+          </p:nvPicPr>
+          <p:blipFill>
+            <a:blip r:embed="rId17" cstate="print"/>
+            <a:stretch>
+              <a:fillRect/>
+            </a:stretch>
+          </p:blipFill>
+          <p:spPr>
+            <a:xfrm>
+              <a:off x="14608385" y="1462387"/>
+              <a:ext cx="2457686" cy="2479308"/>
+            </a:xfrm>
+            <a:prstGeom prst="rect">
+              <a:avLst/>
+            </a:prstGeom>
+          </p:spPr>
+        </p:pic>
+      </p:grpSp>
+      <p:grpSp>
+        <p:nvGrpSpPr>
+          <p:cNvPr id="1013" name="그룹 1013"/>
+          <p:cNvGrpSpPr/>
+          <p:nvPr/>
+        </p:nvGrpSpPr>
+        <p:grpSpPr>
+          <a:xfrm>
+            <a:off x="14749654" y="4166071"/>
+            <a:ext cx="2079910" cy="2079910"/>
+            <a:chOff x="14749654" y="4166071"/>
+            <a:chExt cx="2079910" cy="2079910"/>
+          </a:xfrm>
+        </p:grpSpPr>
+        <p:pic>
+          <p:nvPicPr>
+            <p:cNvPr id="50" name="Object 49"/>
+            <p:cNvPicPr>
+              <a:picLocks noChangeAspect="1"/>
+            </p:cNvPicPr>
+            <p:nvPr/>
+          </p:nvPicPr>
+          <p:blipFill>
+            <a:blip r:embed="rId18" cstate="print"/>
+            <a:stretch>
+              <a:fillRect/>
+            </a:stretch>
+          </p:blipFill>
+          <p:spPr>
+            <a:xfrm>
+              <a:off x="14749654" y="4166071"/>
+              <a:ext cx="2079910" cy="2079910"/>
+            </a:xfrm>
+            <a:prstGeom prst="rect">
+              <a:avLst/>
+            </a:prstGeom>
+          </p:spPr>
+        </p:pic>
+      </p:grpSp>
+      <p:grpSp>
+        <p:nvGrpSpPr>
+          <p:cNvPr id="1014" name="그룹 1014"/>
+          <p:cNvGrpSpPr/>
+          <p:nvPr/>
+        </p:nvGrpSpPr>
+        <p:grpSpPr>
+          <a:xfrm>
+            <a:off x="14890752" y="6844685"/>
+            <a:ext cx="1803219" cy="1803219"/>
+            <a:chOff x="14890752" y="6844685"/>
+            <a:chExt cx="1803219" cy="1803219"/>
+          </a:xfrm>
+        </p:grpSpPr>
+        <p:pic>
+          <p:nvPicPr>
+            <p:cNvPr id="53" name="Object 52"/>
+            <p:cNvPicPr>
+              <a:picLocks noChangeAspect="1"/>
+            </p:cNvPicPr>
+            <p:nvPr/>
+          </p:nvPicPr>
+          <p:blipFill>
+            <a:blip r:embed="rId19" cstate="print"/>
+            <a:stretch>
+              <a:fillRect/>
+            </a:stretch>
+          </p:blipFill>
+          <p:spPr>
+            <a:xfrm>
+              <a:off x="14890752" y="6844685"/>
+              <a:ext cx="1803219" cy="1803219"/>
+            </a:xfrm>
+            <a:prstGeom prst="rect">
+              <a:avLst/>
+            </a:prstGeom>
+          </p:spPr>
+        </p:pic>
+      </p:grpSp>
     </p:spTree>
   </p:cSld>
   <p:clrMapOvr>
@@ -9108,8 +9086,32 @@
         </p:blipFill>
         <p:spPr>
           <a:xfrm>
-            <a:off x="1528220" y="6749437"/>
-            <a:ext cx="3328336" cy="2003036"/>
+            <a:off x="1521363" y="6363391"/>
+            <a:ext cx="3645242" cy="2389426"/>
+          </a:xfrm>
+          <a:prstGeom prst="rect">
+            <a:avLst/>
+          </a:prstGeom>
+        </p:spPr>
+      </p:pic>
+      <p:pic>
+        <p:nvPicPr>
+          <p:cNvPr id="15" name="Object 14"/>
+          <p:cNvPicPr>
+            <a:picLocks noChangeAspect="1"/>
+          </p:cNvPicPr>
+          <p:nvPr/>
+        </p:nvPicPr>
+        <p:blipFill>
+          <a:blip r:embed="rId8" cstate="print"/>
+          <a:stretch>
+            <a:fillRect/>
+          </a:stretch>
+        </p:blipFill>
+        <p:spPr>
+          <a:xfrm>
+            <a:off x="1191077" y="592306"/>
+            <a:ext cx="1359966" cy="380943"/>
           </a:xfrm>
           <a:prstGeom prst="rect">
             <a:avLst/>
@@ -9124,30 +9126,30 @@
         </p:nvGrpSpPr>
         <p:grpSpPr>
           <a:xfrm>
-            <a:off x="6979161" y="1548709"/>
-            <a:ext cx="9188444" cy="7304483"/>
-            <a:chOff x="6979161" y="1548709"/>
-            <a:chExt cx="9188444" cy="7304483"/>
+            <a:off x="6326376" y="2110143"/>
+            <a:ext cx="10941020" cy="6065428"/>
+            <a:chOff x="6326376" y="2110143"/>
+            <a:chExt cx="10941020" cy="6065428"/>
           </a:xfrm>
         </p:grpSpPr>
         <p:pic>
           <p:nvPicPr>
-            <p:cNvPr id="16" name="Object 15"/>
+            <p:cNvPr id="17" name="Object 16"/>
             <p:cNvPicPr>
               <a:picLocks noChangeAspect="1"/>
             </p:cNvPicPr>
             <p:nvPr/>
           </p:nvPicPr>
           <p:blipFill>
-            <a:blip r:embed="rId8" cstate="print"/>
+            <a:blip r:embed="rId9" cstate="print"/>
             <a:stretch>
               <a:fillRect/>
             </a:stretch>
           </p:blipFill>
           <p:spPr>
             <a:xfrm>
-              <a:off x="6979161" y="1548709"/>
-              <a:ext cx="9188444" cy="7304483"/>
+              <a:off x="6326376" y="2110143"/>
+              <a:ext cx="10941020" cy="6065428"/>
             </a:xfrm>
             <a:prstGeom prst="rect">
               <a:avLst/>
@@ -9155,30 +9157,6 @@
           </p:spPr>
         </p:pic>
       </p:grpSp>
-      <p:pic>
-        <p:nvPicPr>
-          <p:cNvPr id="18" name="Object 17"/>
-          <p:cNvPicPr>
-            <a:picLocks noChangeAspect="1"/>
-          </p:cNvPicPr>
-          <p:nvPr/>
-        </p:nvPicPr>
-        <p:blipFill>
-          <a:blip r:embed="rId9" cstate="print"/>
-          <a:stretch>
-            <a:fillRect/>
-          </a:stretch>
-        </p:blipFill>
-        <p:spPr>
-          <a:xfrm>
-            <a:off x="1191077" y="592306"/>
-            <a:ext cx="1359966" cy="380943"/>
-          </a:xfrm>
-          <a:prstGeom prst="rect">
-            <a:avLst/>
-          </a:prstGeom>
-        </p:spPr>
-      </p:pic>
     </p:spTree>
   </p:cSld>
   <p:clrMapOvr>
@@ -9597,30 +9575,6 @@
           </a:prstGeom>
         </p:spPr>
       </p:pic>
-      <p:pic>
-        <p:nvPicPr>
-          <p:cNvPr id="28" name="Object 27"/>
-          <p:cNvPicPr>
-            <a:picLocks noChangeAspect="1"/>
-          </p:cNvPicPr>
-          <p:nvPr/>
-        </p:nvPicPr>
-        <p:blipFill>
-          <a:blip r:embed="rId13" cstate="print"/>
-          <a:stretch>
-            <a:fillRect/>
-          </a:stretch>
-        </p:blipFill>
-        <p:spPr>
-          <a:xfrm>
-            <a:off x="7092154" y="4320639"/>
-            <a:ext cx="9502337" cy="711093"/>
-          </a:xfrm>
-          <a:prstGeom prst="rect">
-            <a:avLst/>
-          </a:prstGeom>
-        </p:spPr>
-      </p:pic>
       <p:grpSp>
         <p:nvGrpSpPr>
           <p:cNvPr id="1008" name="그룹 1008"/>
@@ -9630,9 +9584,9 @@
         <p:grpSpPr>
           <a:xfrm>
             <a:off x="7198754" y="5990476"/>
-            <a:ext cx="9308548" cy="1754087"/>
+            <a:ext cx="9308548" cy="1687259"/>
             <a:chOff x="7198754" y="5990476"/>
-            <a:chExt cx="9308548" cy="1754087"/>
+            <a:chExt cx="9308548" cy="1687259"/>
           </a:xfrm>
         </p:grpSpPr>
         <p:grpSp>
@@ -9651,14 +9605,14 @@
           </p:grpSpPr>
           <p:pic>
             <p:nvPicPr>
-              <p:cNvPr id="31" name="Object 30"/>
+              <p:cNvPr id="30" name="Object 29"/>
               <p:cNvPicPr>
                 <a:picLocks noChangeAspect="1"/>
               </p:cNvPicPr>
               <p:nvPr/>
             </p:nvPicPr>
             <p:blipFill>
-              <a:blip r:embed="rId14" cstate="print"/>
+              <a:blip r:embed="rId13" cstate="print"/>
               <a:stretch>
                 <a:fillRect/>
               </a:stretch>
@@ -9676,14 +9630,14 @@
         </p:grpSp>
         <p:pic>
           <p:nvPicPr>
-            <p:cNvPr id="33" name="Object 32"/>
+            <p:cNvPr id="32" name="Object 31"/>
             <p:cNvPicPr>
               <a:picLocks noChangeAspect="1"/>
             </p:cNvPicPr>
             <p:nvPr/>
           </p:nvPicPr>
           <p:blipFill>
-            <a:blip r:embed="rId15" cstate="print"/>
+            <a:blip r:embed="rId14" cstate="print"/>
             <a:stretch>
               <a:fillRect/>
             </a:stretch>
@@ -9700,14 +9654,14 @@
         </p:pic>
         <p:pic>
           <p:nvPicPr>
-            <p:cNvPr id="34" name="Object 33"/>
+            <p:cNvPr id="33" name="Object 32"/>
             <p:cNvPicPr>
               <a:picLocks noChangeAspect="1"/>
             </p:cNvPicPr>
             <p:nvPr/>
           </p:nvPicPr>
           <p:blipFill>
-            <a:blip r:embed="rId16" cstate="print"/>
+            <a:blip r:embed="rId15" cstate="print"/>
             <a:stretch>
               <a:fillRect/>
             </a:stretch>
@@ -9715,7 +9669,7 @@
           <p:spPr>
             <a:xfrm>
               <a:off x="7186849" y="7115992"/>
-              <a:ext cx="2127236" cy="711093"/>
+              <a:ext cx="1419698" cy="711093"/>
             </a:xfrm>
             <a:prstGeom prst="rect">
               <a:avLst/>
@@ -9725,22 +9679,22 @@
       </p:grpSp>
       <p:pic>
         <p:nvPicPr>
-          <p:cNvPr id="36" name="Object 35"/>
-          <p:cNvPicPr>
-            <a:picLocks noChangeAspect="1"/>
-          </p:cNvPicPr>
-          <p:nvPr/>
-        </p:nvPicPr>
-        <p:blipFill>
-          <a:blip r:embed="rId17" cstate="print"/>
-          <a:stretch>
-            <a:fillRect/>
-          </a:stretch>
-        </p:blipFill>
-        <p:spPr>
-          <a:xfrm>
-            <a:off x="7092152" y="4950660"/>
-            <a:ext cx="7905225" cy="711093"/>
+          <p:cNvPr id="35" name="Object 34"/>
+          <p:cNvPicPr>
+            <a:picLocks noChangeAspect="1"/>
+          </p:cNvPicPr>
+          <p:nvPr/>
+        </p:nvPicPr>
+        <p:blipFill>
+          <a:blip r:embed="rId16" cstate="print"/>
+          <a:stretch>
+            <a:fillRect/>
+          </a:stretch>
+        </p:blipFill>
+        <p:spPr>
+          <a:xfrm>
+            <a:off x="7145420" y="4392630"/>
+            <a:ext cx="7267731" cy="711093"/>
           </a:xfrm>
           <a:prstGeom prst="rect">
             <a:avLst/>
